--- a/Declaración de la renta.pptx
+++ b/Declaración de la renta.pptx
@@ -109,6 +109,11 @@
       </a:defRPr>
     </a:lvl9pPr>
   </p:defaultTextStyle>
+  <p:extLst>
+    <p:ext uri="{EFAFB233-063F-42B5-8137-9DF3F51BA10A}">
+      <p15:sldGuideLst xmlns:p15="http://schemas.microsoft.com/office/powerpoint/2012/main"/>
+    </p:ext>
+  </p:extLst>
 </p:presentation>
 </file>
 
@@ -243,7 +248,7 @@
           <a:p>
             <a:fld id="{0D2D61E8-1A28-49FD-B8D9-EE383520F327}" type="datetimeFigureOut">
               <a:rPr lang="es-ES" smtClean="0"/>
-              <a:t>13/05/2022</a:t>
+              <a:t>22/05/2022</a:t>
             </a:fld>
             <a:endParaRPr lang="es-ES"/>
           </a:p>
@@ -413,7 +418,7 @@
           <a:p>
             <a:fld id="{0D2D61E8-1A28-49FD-B8D9-EE383520F327}" type="datetimeFigureOut">
               <a:rPr lang="es-ES" smtClean="0"/>
-              <a:t>13/05/2022</a:t>
+              <a:t>22/05/2022</a:t>
             </a:fld>
             <a:endParaRPr lang="es-ES"/>
           </a:p>
@@ -593,7 +598,7 @@
           <a:p>
             <a:fld id="{0D2D61E8-1A28-49FD-B8D9-EE383520F327}" type="datetimeFigureOut">
               <a:rPr lang="es-ES" smtClean="0"/>
-              <a:t>13/05/2022</a:t>
+              <a:t>22/05/2022</a:t>
             </a:fld>
             <a:endParaRPr lang="es-ES"/>
           </a:p>
@@ -763,7 +768,7 @@
           <a:p>
             <a:fld id="{0D2D61E8-1A28-49FD-B8D9-EE383520F327}" type="datetimeFigureOut">
               <a:rPr lang="es-ES" smtClean="0"/>
-              <a:t>13/05/2022</a:t>
+              <a:t>22/05/2022</a:t>
             </a:fld>
             <a:endParaRPr lang="es-ES"/>
           </a:p>
@@ -1009,7 +1014,7 @@
           <a:p>
             <a:fld id="{0D2D61E8-1A28-49FD-B8D9-EE383520F327}" type="datetimeFigureOut">
               <a:rPr lang="es-ES" smtClean="0"/>
-              <a:t>13/05/2022</a:t>
+              <a:t>22/05/2022</a:t>
             </a:fld>
             <a:endParaRPr lang="es-ES"/>
           </a:p>
@@ -1241,7 +1246,7 @@
           <a:p>
             <a:fld id="{0D2D61E8-1A28-49FD-B8D9-EE383520F327}" type="datetimeFigureOut">
               <a:rPr lang="es-ES" smtClean="0"/>
-              <a:t>13/05/2022</a:t>
+              <a:t>22/05/2022</a:t>
             </a:fld>
             <a:endParaRPr lang="es-ES"/>
           </a:p>
@@ -1608,7 +1613,7 @@
           <a:p>
             <a:fld id="{0D2D61E8-1A28-49FD-B8D9-EE383520F327}" type="datetimeFigureOut">
               <a:rPr lang="es-ES" smtClean="0"/>
-              <a:t>13/05/2022</a:t>
+              <a:t>22/05/2022</a:t>
             </a:fld>
             <a:endParaRPr lang="es-ES"/>
           </a:p>
@@ -1726,7 +1731,7 @@
           <a:p>
             <a:fld id="{0D2D61E8-1A28-49FD-B8D9-EE383520F327}" type="datetimeFigureOut">
               <a:rPr lang="es-ES" smtClean="0"/>
-              <a:t>13/05/2022</a:t>
+              <a:t>22/05/2022</a:t>
             </a:fld>
             <a:endParaRPr lang="es-ES"/>
           </a:p>
@@ -1821,7 +1826,7 @@
           <a:p>
             <a:fld id="{0D2D61E8-1A28-49FD-B8D9-EE383520F327}" type="datetimeFigureOut">
               <a:rPr lang="es-ES" smtClean="0"/>
-              <a:t>13/05/2022</a:t>
+              <a:t>22/05/2022</a:t>
             </a:fld>
             <a:endParaRPr lang="es-ES"/>
           </a:p>
@@ -2098,7 +2103,7 @@
           <a:p>
             <a:fld id="{0D2D61E8-1A28-49FD-B8D9-EE383520F327}" type="datetimeFigureOut">
               <a:rPr lang="es-ES" smtClean="0"/>
-              <a:t>13/05/2022</a:t>
+              <a:t>22/05/2022</a:t>
             </a:fld>
             <a:endParaRPr lang="es-ES"/>
           </a:p>
@@ -2351,7 +2356,7 @@
           <a:p>
             <a:fld id="{0D2D61E8-1A28-49FD-B8D9-EE383520F327}" type="datetimeFigureOut">
               <a:rPr lang="es-ES" smtClean="0"/>
-              <a:t>13/05/2022</a:t>
+              <a:t>22/05/2022</a:t>
             </a:fld>
             <a:endParaRPr lang="es-ES"/>
           </a:p>
@@ -2564,7 +2569,7 @@
           <a:p>
             <a:fld id="{0D2D61E8-1A28-49FD-B8D9-EE383520F327}" type="datetimeFigureOut">
               <a:rPr lang="es-ES" smtClean="0"/>
-              <a:t>13/05/2022</a:t>
+              <a:t>22/05/2022</a:t>
             </a:fld>
             <a:endParaRPr lang="es-ES"/>
           </a:p>
@@ -3745,8 +3750,8 @@
         </p:blipFill>
         <p:spPr>
           <a:xfrm>
-            <a:off x="838200" y="2682301"/>
-            <a:ext cx="1771897" cy="3734321"/>
+            <a:off x="838200" y="2682302"/>
+            <a:ext cx="1771897" cy="3734319"/>
           </a:xfrm>
           <a:prstGeom prst="rect">
             <a:avLst/>
